--- a/Syllabus/Lecture02/Assignment_Lec02.pptx
+++ b/Syllabus/Lecture02/Assignment_Lec02.pptx
@@ -3472,13 +3472,8 @@
             </a:pPr>
             <a:r>
               <a:rPr lang="en-US" dirty="0"/>
-              <a:t>Add instructor (prof and TA) to your </a:t>
+              <a:t>Add instructor (prof and TA) as collaborator to your forked repo</a:t>
             </a:r>
-            <a:r>
-              <a:rPr lang="en-US"/>
-              <a:t>forked repo</a:t>
-            </a:r>
-            <a:endParaRPr lang="en-US" dirty="0"/>
           </a:p>
           <a:p>
             <a:endParaRPr lang="en-US" dirty="0"/>
